--- a/教材/6章_RDSの構築(3層).pptx
+++ b/教材/6章_RDSの構築(3層).pptx
@@ -26,24 +26,24 @@
   <p:notesSz cx="6858000" cy="9144000"/>
   <p:embeddedFontLst>
     <p:embeddedFont>
-      <p:font typeface="BIZ UDP明朝 Medium" panose="02020500000000000000" pitchFamily="18" charset="-128"/>
+      <p:font typeface="GulimChe" panose="020B0609000101010101" pitchFamily="49" charset="-127"/>
       <p:regular r:id="rId14"/>
     </p:embeddedFont>
     <p:embeddedFont>
+      <p:font typeface="BIZ UDP明朝 Medium" panose="02020500000000000000" pitchFamily="18" charset="-128"/>
+      <p:regular r:id="rId15"/>
+    </p:embeddedFont>
+    <p:embeddedFont>
       <p:font typeface="Calibri" panose="020F0502020204030204" pitchFamily="34" charset="0"/>
-      <p:regular r:id="rId15"/>
-      <p:bold r:id="rId16"/>
-      <p:italic r:id="rId17"/>
-      <p:boldItalic r:id="rId18"/>
+      <p:regular r:id="rId16"/>
+      <p:bold r:id="rId17"/>
+      <p:italic r:id="rId18"/>
+      <p:boldItalic r:id="rId19"/>
     </p:embeddedFont>
     <p:embeddedFont>
       <p:font typeface="Calibri Light" panose="020F0302020204030204" pitchFamily="34" charset="0"/>
-      <p:regular r:id="rId19"/>
-      <p:italic r:id="rId20"/>
-    </p:embeddedFont>
-    <p:embeddedFont>
-      <p:font typeface="GulimChe" panose="020B0609000101010101" pitchFamily="49" charset="-127"/>
-      <p:regular r:id="rId21"/>
+      <p:regular r:id="rId20"/>
+      <p:italic r:id="rId21"/>
     </p:embeddedFont>
     <p:embeddedFont>
       <p:font typeface="Malgun Gothic" panose="020B0503020000020004" pitchFamily="34" charset="-127"/>
@@ -182,13 +182,37 @@
 <file path=ppt/revisionInfo.xml><?xml version="1.0" encoding="utf-8"?>
 <p1510:revInfo xmlns:a="http://schemas.openxmlformats.org/drawingml/2006/main" xmlns:r="http://schemas.openxmlformats.org/officeDocument/2006/relationships" xmlns:p1510="http://schemas.microsoft.com/office/powerpoint/2015/10/main">
   <p1510:revLst>
-    <p1510:client id="{17755A40-A7A9-4FA6-8632-C2FF9700AB17}" v="63" dt="2023-01-10T08:42:58.286"/>
+    <p1510:client id="{6EA58195-AF42-4020-A8EC-B40B54BE1BBD}" v="2" dt="2023-02-07T13:57:03.536"/>
   </p1510:revLst>
 </p1510:revInfo>
 </file>
 
 <file path=ppt/changesInfos/changesInfo1.xml><?xml version="1.0" encoding="utf-8"?>
 <pc:chgInfo xmlns:a="http://schemas.openxmlformats.org/drawingml/2006/main" xmlns:r="http://schemas.openxmlformats.org/officeDocument/2006/relationships" xmlns:ac="http://schemas.microsoft.com/office/drawing/2013/main/command" xmlns:pc="http://schemas.microsoft.com/office/powerpoint/2013/main/command">
+  <pc:docChgLst>
+    <pc:chgData name="尾嵜 成真" userId="dd95f81a979e9056" providerId="LiveId" clId="{6EA58195-AF42-4020-A8EC-B40B54BE1BBD}"/>
+    <pc:docChg chg="modSld">
+      <pc:chgData name="尾嵜 成真" userId="dd95f81a979e9056" providerId="LiveId" clId="{6EA58195-AF42-4020-A8EC-B40B54BE1BBD}" dt="2023-02-07T13:57:03.535" v="3"/>
+      <pc:docMkLst>
+        <pc:docMk/>
+      </pc:docMkLst>
+      <pc:sldChg chg="modSp mod">
+        <pc:chgData name="尾嵜 成真" userId="dd95f81a979e9056" providerId="LiveId" clId="{6EA58195-AF42-4020-A8EC-B40B54BE1BBD}" dt="2023-02-07T13:57:03.535" v="3"/>
+        <pc:sldMkLst>
+          <pc:docMk/>
+          <pc:sldMk cId="3006967339" sldId="392"/>
+        </pc:sldMkLst>
+        <pc:spChg chg="mod">
+          <ac:chgData name="尾嵜 成真" userId="dd95f81a979e9056" providerId="LiveId" clId="{6EA58195-AF42-4020-A8EC-B40B54BE1BBD}" dt="2023-02-07T13:57:03.535" v="3"/>
+          <ac:spMkLst>
+            <pc:docMk/>
+            <pc:sldMk cId="3006967339" sldId="392"/>
+            <ac:spMk id="10" creationId="{4C8D8093-D708-E46A-39FD-79BFCCF8875B}"/>
+          </ac:spMkLst>
+        </pc:spChg>
+      </pc:sldChg>
+    </pc:docChg>
+  </pc:docChgLst>
   <pc:docChgLst>
     <pc:chgData name="尾嵜 成真" userId="dd95f81a979e9056" providerId="LiveId" clId="{73A23987-D80F-440C-906D-36C23BCC7B17}"/>
     <pc:docChg chg="undo custSel addSld delSld modSld sldOrd">
@@ -4365,7 +4389,7 @@
             <a:fld id="{D4CCFBE2-2B8D-499C-81C9-2CD5B3EB8E93}" type="datetimeFigureOut">
               <a:rPr lang="ko-KR" altLang="en-US" smtClean="0"/>
               <a:pPr/>
-              <a:t>2023-01-22</a:t>
+              <a:t>2023-02-07</a:t>
             </a:fld>
             <a:endParaRPr lang="ko-KR" altLang="en-US"/>
           </a:p>
@@ -4532,7 +4556,7 @@
             <a:fld id="{FB545AC5-813F-4ED1-B011-8EA17CB93331}" type="datetimeFigureOut">
               <a:rPr lang="ko-KR" altLang="en-US" smtClean="0"/>
               <a:pPr/>
-              <a:t>2023-01-22</a:t>
+              <a:t>2023-02-07</a:t>
             </a:fld>
             <a:endParaRPr lang="ko-KR" altLang="en-US"/>
           </a:p>
@@ -4954,7 +4978,7 @@
             <a:fld id="{ED3D6733-6F27-4404-AB51-585418F146E5}" type="datetimeFigureOut">
               <a:rPr lang="ko-KR" altLang="en-US" smtClean="0"/>
               <a:pPr/>
-              <a:t>2023-01-22</a:t>
+              <a:t>2023-02-07</a:t>
             </a:fld>
             <a:endParaRPr lang="ko-KR" altLang="en-US"/>
           </a:p>
@@ -5139,7 +5163,7 @@
             <a:fld id="{ED3D6733-6F27-4404-AB51-585418F146E5}" type="datetimeFigureOut">
               <a:rPr lang="ko-KR" altLang="en-US" smtClean="0"/>
               <a:pPr/>
-              <a:t>2023-01-22</a:t>
+              <a:t>2023-02-07</a:t>
             </a:fld>
             <a:endParaRPr lang="ko-KR" altLang="en-US"/>
           </a:p>
@@ -5277,7 +5301,7 @@
             <a:fld id="{ED3D6733-6F27-4404-AB51-585418F146E5}" type="datetimeFigureOut">
               <a:rPr lang="ko-KR" altLang="en-US" smtClean="0"/>
               <a:pPr/>
-              <a:t>2023-01-22</a:t>
+              <a:t>2023-02-07</a:t>
             </a:fld>
             <a:endParaRPr lang="ko-KR" altLang="en-US"/>
           </a:p>
@@ -5490,7 +5514,7 @@
             <a:fld id="{ED3D6733-6F27-4404-AB51-585418F146E5}" type="datetimeFigureOut">
               <a:rPr lang="ko-KR" altLang="en-US" smtClean="0"/>
               <a:pPr/>
-              <a:t>2023-01-22</a:t>
+              <a:t>2023-02-07</a:t>
             </a:fld>
             <a:endParaRPr lang="ko-KR" altLang="en-US"/>
           </a:p>
@@ -5767,7 +5791,7 @@
             <a:fld id="{ED3D6733-6F27-4404-AB51-585418F146E5}" type="datetimeFigureOut">
               <a:rPr lang="ko-KR" altLang="en-US" smtClean="0"/>
               <a:pPr/>
-              <a:t>2023-01-22</a:t>
+              <a:t>2023-02-07</a:t>
             </a:fld>
             <a:endParaRPr lang="ko-KR" altLang="en-US"/>
           </a:p>
@@ -6090,7 +6114,7 @@
             <a:fld id="{ED3D6733-6F27-4404-AB51-585418F146E5}" type="datetimeFigureOut">
               <a:rPr lang="ko-KR" altLang="en-US" smtClean="0"/>
               <a:pPr/>
-              <a:t>2023-01-22</a:t>
+              <a:t>2023-02-07</a:t>
             </a:fld>
             <a:endParaRPr lang="ko-KR" altLang="en-US"/>
           </a:p>
@@ -6363,7 +6387,7 @@
             <a:fld id="{ED3D6733-6F27-4404-AB51-585418F146E5}" type="datetimeFigureOut">
               <a:rPr lang="ko-KR" altLang="en-US" smtClean="0"/>
               <a:pPr/>
-              <a:t>2023-01-22</a:t>
+              <a:t>2023-02-07</a:t>
             </a:fld>
             <a:endParaRPr lang="ko-KR" altLang="en-US"/>
           </a:p>
@@ -22878,7 +22902,7 @@
                 <a:latin typeface="BIZ UDP明朝 Medium" panose="02020500000000000000" pitchFamily="18" charset="-128"/>
                 <a:ea typeface="BIZ UDP明朝 Medium" panose="02020500000000000000" pitchFamily="18" charset="-128"/>
               </a:rPr>
-              <a:t>RDB</a:t>
+              <a:t>RDS</a:t>
             </a:r>
             <a:r>
               <a:rPr lang="ja-JP" altLang="en-US" b="0" i="0" u="heavy" dirty="0">
